--- a/ppt/understand-javascript-in-depth(part 1).pptx
+++ b/ppt/understand-javascript-in-depth(part 1).pptx
@@ -301,7 +301,7 @@
             <a:fld id="{D83FDC75-7F73-4A4A-A77C-09AADF00E0EA}" type="datetimeFigureOut">
               <a:rPr lang="en-US" smtClean="0"/>
               <a:pPr/>
-              <a:t>17/12/10</a:t>
+              <a:t>17/12/11</a:t>
             </a:fld>
             <a:endParaRPr lang="en-US" dirty="0"/>
           </a:p>
@@ -468,7 +468,7 @@
             <a:fld id="{48AEF76B-3757-4A0B-AF93-28494465C1DD}" type="datetimeFigureOut">
               <a:rPr lang="en-US" smtClean="0"/>
               <a:pPr/>
-              <a:t>17/12/10</a:t>
+              <a:t>17/12/11</a:t>
             </a:fld>
             <a:endParaRPr lang="en-US" dirty="0"/>
           </a:p>
@@ -6368,7 +6368,7 @@
             <a:fld id="{757B281C-5159-4971-8228-52B9A72E9ED2}" type="datetimeFigureOut">
               <a:rPr kumimoji="0" lang="en-US" smtClean="0"/>
               <a:pPr/>
-              <a:t>17/12/10</a:t>
+              <a:t>17/12/11</a:t>
             </a:fld>
             <a:endParaRPr kumimoji="0" lang="en-US" dirty="0"/>
           </a:p>
@@ -6470,7 +6470,7 @@
             <a:fld id="{757B281C-5159-4971-8228-52B9A72E9ED2}" type="datetimeFigureOut">
               <a:rPr kumimoji="0" lang="en-US" smtClean="0"/>
               <a:pPr/>
-              <a:t>17/12/10</a:t>
+              <a:t>17/12/11</a:t>
             </a:fld>
             <a:endParaRPr kumimoji="0" lang="en-US" dirty="0"/>
           </a:p>
@@ -6606,7 +6606,7 @@
             <a:fld id="{757B281C-5159-4971-8228-52B9A72E9ED2}" type="datetimeFigureOut">
               <a:rPr kumimoji="0" lang="en-US" smtClean="0"/>
               <a:pPr/>
-              <a:t>17/12/10</a:t>
+              <a:t>17/12/11</a:t>
             </a:fld>
             <a:endParaRPr kumimoji="0" lang="en-US" dirty="0"/>
           </a:p>
@@ -6812,7 +6812,7 @@
             <a:fld id="{757B281C-5159-4971-8228-52B9A72E9ED2}" type="datetimeFigureOut">
               <a:rPr kumimoji="0" lang="en-US" smtClean="0"/>
               <a:pPr/>
-              <a:t>17/12/10</a:t>
+              <a:t>17/12/11</a:t>
             </a:fld>
             <a:endParaRPr kumimoji="0" lang="en-US" dirty="0"/>
           </a:p>
@@ -7211,7 +7211,7 @@
             <a:fld id="{757B281C-5159-4971-8228-52B9A72E9ED2}" type="datetimeFigureOut">
               <a:rPr kumimoji="0" lang="en-US" smtClean="0"/>
               <a:pPr/>
-              <a:t>17/12/10</a:t>
+              <a:t>17/12/11</a:t>
             </a:fld>
             <a:endParaRPr kumimoji="0" lang="en-US" dirty="0"/>
           </a:p>
@@ -7512,7 +7512,7 @@
             <a:fld id="{757B281C-5159-4971-8228-52B9A72E9ED2}" type="datetimeFigureOut">
               <a:rPr kumimoji="0" lang="en-US" smtClean="0"/>
               <a:pPr/>
-              <a:t>17/12/10</a:t>
+              <a:t>17/12/11</a:t>
             </a:fld>
             <a:endParaRPr kumimoji="0" lang="en-US" dirty="0"/>
           </a:p>
@@ -7942,7 +7942,7 @@
             <a:fld id="{757B281C-5159-4971-8228-52B9A72E9ED2}" type="datetimeFigureOut">
               <a:rPr kumimoji="0" lang="en-US" smtClean="0"/>
               <a:pPr/>
-              <a:t>17/12/10</a:t>
+              <a:t>17/12/11</a:t>
             </a:fld>
             <a:endParaRPr kumimoji="0" lang="en-US" dirty="0"/>
           </a:p>
@@ -8220,7 +8220,7 @@
             <a:fld id="{757B281C-5159-4971-8228-52B9A72E9ED2}" type="datetimeFigureOut">
               <a:rPr kumimoji="0" lang="en-US" smtClean="0"/>
               <a:pPr/>
-              <a:t>17/12/10</a:t>
+              <a:t>17/12/11</a:t>
             </a:fld>
             <a:endParaRPr kumimoji="0" lang="en-US" dirty="0"/>
           </a:p>
@@ -8486,7 +8486,7 @@
             <a:fld id="{757B281C-5159-4971-8228-52B9A72E9ED2}" type="datetimeFigureOut">
               <a:rPr kumimoji="0" lang="en-US" smtClean="0"/>
               <a:pPr/>
-              <a:t>17/12/10</a:t>
+              <a:t>17/12/11</a:t>
             </a:fld>
             <a:endParaRPr kumimoji="0" lang="en-US" dirty="0"/>
           </a:p>
@@ -8657,7 +8657,7 @@
             <a:fld id="{757B281C-5159-4971-8228-52B9A72E9ED2}" type="datetimeFigureOut">
               <a:rPr kumimoji="0" lang="en-US" smtClean="0"/>
               <a:pPr/>
-              <a:t>17/12/10</a:t>
+              <a:t>17/12/11</a:t>
             </a:fld>
             <a:endParaRPr kumimoji="0" lang="en-US" dirty="0"/>
           </a:p>
@@ -8838,7 +8838,7 @@
             <a:fld id="{757B281C-5159-4971-8228-52B9A72E9ED2}" type="datetimeFigureOut">
               <a:rPr kumimoji="0" lang="en-US" smtClean="0"/>
               <a:pPr/>
-              <a:t>17/12/10</a:t>
+              <a:t>17/12/11</a:t>
             </a:fld>
             <a:endParaRPr kumimoji="0" lang="en-US" dirty="0"/>
           </a:p>
@@ -9081,7 +9081,7 @@
             <a:fld id="{757B281C-5159-4971-8228-52B9A72E9ED2}" type="datetimeFigureOut">
               <a:rPr kumimoji="0" lang="en-US" smtClean="0"/>
               <a:pPr/>
-              <a:t>17/12/10</a:t>
+              <a:t>17/12/11</a:t>
             </a:fld>
             <a:endParaRPr kumimoji="0" lang="en-US" dirty="0"/>
           </a:p>
@@ -9845,18 +9845,7 @@
                 <a:ea typeface="Hei"/>
                 <a:cs typeface="Hei"/>
               </a:rPr>
-              <a:t>Over</a:t>
-            </a:r>
-            <a:r>
-              <a:rPr lang="en-US" altLang="zh-CN" sz="4400" b="0" i="0" dirty="0" smtClean="0">
-                <a:solidFill>
-                  <a:schemeClr val="tx1"/>
-                </a:solidFill>
-                <a:latin typeface="Hei"/>
-                <a:ea typeface="Hei"/>
-                <a:cs typeface="Hei"/>
-              </a:rPr>
-              <a:t>flow</a:t>
+              <a:t>Overflow</a:t>
             </a:r>
             <a:endParaRPr lang="en-US" sz="4400" b="0" i="0" dirty="0">
               <a:solidFill>
@@ -9926,15 +9915,7 @@
                 <a:ea typeface="Hei"/>
                 <a:cs typeface="Hei"/>
               </a:rPr>
-              <a:t>是有数量限制的，并不是无限的</a:t>
-            </a:r>
-            <a:r>
-              <a:rPr lang="zh-CN" altLang="en-US" sz="3200" dirty="0" smtClean="0">
-                <a:latin typeface="Hei"/>
-                <a:ea typeface="Hei"/>
-                <a:cs typeface="Hei"/>
-              </a:rPr>
-              <a:t>。</a:t>
+              <a:t>是有数量限制的，并不是无限的。</a:t>
             </a:r>
             <a:endParaRPr lang="zh-CN" altLang="en-US" sz="3200" dirty="0">
               <a:latin typeface="Hei"/>
@@ -13477,15 +13458,7 @@
                 <a:ea typeface="Hei"/>
                 <a:cs typeface="Hei"/>
               </a:rPr>
-              <a:t> 内部</a:t>
-            </a:r>
-            <a:r>
-              <a:rPr lang="zh-CN" altLang="en-US" sz="3200" dirty="0" smtClean="0">
-                <a:latin typeface="Hei"/>
-                <a:ea typeface="Hei"/>
-                <a:cs typeface="Hei"/>
-              </a:rPr>
-              <a:t>属性创建</a:t>
+              <a:t> 内部属性创建</a:t>
             </a:r>
             <a:r>
               <a:rPr lang="en-US" altLang="zh-CN" sz="3200" dirty="0" smtClean="0">
@@ -13566,15 +13539,7 @@
                 <a:ea typeface="Hei"/>
                 <a:cs typeface="Hei"/>
               </a:rPr>
-              <a:t>活动对</a:t>
-            </a:r>
-            <a:r>
-              <a:rPr lang="zh-CN" altLang="en-US" sz="3200" dirty="0" smtClean="0">
-                <a:latin typeface="Hei"/>
-                <a:ea typeface="Hei"/>
-                <a:cs typeface="Hei"/>
-              </a:rPr>
-              <a:t>象</a:t>
+              <a:t>活动对象</a:t>
             </a:r>
             <a:r>
               <a:rPr lang="en-US" altLang="zh-CN" sz="3200" dirty="0" smtClean="0">
@@ -13615,7 +13580,23 @@
                 <a:ea typeface="Hei"/>
                 <a:cs typeface="Hei"/>
               </a:rPr>
-              <a:t>将</a:t>
+              <a:t>将 </a:t>
+            </a:r>
+            <a:r>
+              <a:rPr lang="en-US" altLang="zh-CN" sz="3200" dirty="0">
+                <a:latin typeface="Hei"/>
+                <a:ea typeface="Hei"/>
+                <a:cs typeface="Hei"/>
+              </a:rPr>
+              <a:t>Activation </a:t>
+            </a:r>
+            <a:r>
+              <a:rPr lang="en-US" altLang="zh-CN" sz="3200" dirty="0" smtClean="0">
+                <a:latin typeface="Hei"/>
+                <a:ea typeface="Hei"/>
+                <a:cs typeface="Hei"/>
+              </a:rPr>
+              <a:t>Object</a:t>
             </a:r>
             <a:r>
               <a:rPr lang="zh-CN" altLang="en-US" sz="3200" dirty="0" smtClean="0">
@@ -13626,20 +13607,12 @@
               <a:t> </a:t>
             </a:r>
             <a:r>
-              <a:rPr lang="en-US" altLang="zh-CN" sz="3200" dirty="0">
-                <a:latin typeface="Hei"/>
-                <a:ea typeface="Hei"/>
-                <a:cs typeface="Hei"/>
-              </a:rPr>
-              <a:t>Activation </a:t>
-            </a:r>
-            <a:r>
               <a:rPr lang="en-US" altLang="zh-CN" sz="3200" dirty="0" smtClean="0">
                 <a:latin typeface="Hei"/>
                 <a:ea typeface="Hei"/>
                 <a:cs typeface="Hei"/>
               </a:rPr>
-              <a:t>Object</a:t>
+              <a:t>(</a:t>
             </a:r>
             <a:r>
               <a:rPr lang="zh-CN" altLang="en-US" sz="3200" dirty="0" smtClean="0">
@@ -13647,7 +13620,7 @@
                 <a:ea typeface="Hei"/>
                 <a:cs typeface="Hei"/>
               </a:rPr>
-              <a:t> </a:t>
+              <a:t>活动对象</a:t>
             </a:r>
             <a:r>
               <a:rPr lang="en-US" altLang="zh-CN" sz="3200" dirty="0" smtClean="0">
@@ -13655,7 +13628,7 @@
                 <a:ea typeface="Hei"/>
                 <a:cs typeface="Hei"/>
               </a:rPr>
-              <a:t>(</a:t>
+              <a:t>) </a:t>
             </a:r>
             <a:r>
               <a:rPr lang="zh-CN" altLang="en-US" sz="3200" dirty="0" smtClean="0">
@@ -13663,7 +13636,7 @@
                 <a:ea typeface="Hei"/>
                 <a:cs typeface="Hei"/>
               </a:rPr>
-              <a:t>活动对象</a:t>
+              <a:t>压入</a:t>
             </a:r>
             <a:r>
               <a:rPr lang="en-US" altLang="zh-CN" sz="3200" dirty="0" smtClean="0">
@@ -13671,7 +13644,15 @@
                 <a:ea typeface="Hei"/>
                 <a:cs typeface="Hei"/>
               </a:rPr>
-              <a:t>)</a:t>
+              <a:t> Execution Context </a:t>
+            </a:r>
+            <a:r>
+              <a:rPr lang="zh-CN" altLang="en-US" sz="3200" dirty="0" smtClean="0">
+                <a:latin typeface="Hei"/>
+                <a:ea typeface="Hei"/>
+                <a:cs typeface="Hei"/>
+              </a:rPr>
+              <a:t>（执行上下文对象）的 </a:t>
             </a:r>
             <a:r>
               <a:rPr lang="en-US" altLang="zh-CN" sz="3200" dirty="0" smtClean="0">
@@ -13679,7 +13660,7 @@
                 <a:ea typeface="Hei"/>
                 <a:cs typeface="Hei"/>
               </a:rPr>
-              <a:t> </a:t>
+              <a:t>Scope Chain</a:t>
             </a:r>
             <a:r>
               <a:rPr lang="zh-CN" altLang="en-US" sz="3200" dirty="0" smtClean="0">
@@ -13687,87 +13668,7 @@
                 <a:ea typeface="Hei"/>
                 <a:cs typeface="Hei"/>
               </a:rPr>
-              <a:t>压入</a:t>
-            </a:r>
-            <a:r>
-              <a:rPr lang="en-US" altLang="zh-CN" sz="3200" dirty="0" smtClean="0">
-                <a:latin typeface="Hei"/>
-                <a:ea typeface="Hei"/>
-                <a:cs typeface="Hei"/>
-              </a:rPr>
-              <a:t> </a:t>
-            </a:r>
-            <a:r>
-              <a:rPr lang="en-US" altLang="zh-CN" sz="3200" dirty="0" smtClean="0">
-                <a:latin typeface="Hei"/>
-                <a:ea typeface="Hei"/>
-                <a:cs typeface="Hei"/>
-              </a:rPr>
-              <a:t>Execution Context </a:t>
-            </a:r>
-            <a:r>
-              <a:rPr lang="zh-CN" altLang="en-US" sz="3200" dirty="0" smtClean="0">
-                <a:latin typeface="Hei"/>
-                <a:ea typeface="Hei"/>
-                <a:cs typeface="Hei"/>
-              </a:rPr>
-              <a:t>（执行上下文对象）</a:t>
-            </a:r>
-            <a:r>
-              <a:rPr lang="zh-CN" altLang="en-US" sz="3200" dirty="0" smtClean="0">
-                <a:latin typeface="Hei"/>
-                <a:ea typeface="Hei"/>
-                <a:cs typeface="Hei"/>
-              </a:rPr>
-              <a:t>的</a:t>
-            </a:r>
-            <a:r>
-              <a:rPr lang="zh-CN" altLang="en-US" sz="3200" dirty="0" smtClean="0">
-                <a:latin typeface="Hei"/>
-                <a:ea typeface="Hei"/>
-                <a:cs typeface="Hei"/>
-              </a:rPr>
-              <a:t> </a:t>
-            </a:r>
-            <a:r>
-              <a:rPr lang="en-US" altLang="zh-CN" sz="3200" dirty="0" smtClean="0">
-                <a:latin typeface="Hei"/>
-                <a:ea typeface="Hei"/>
-                <a:cs typeface="Hei"/>
-              </a:rPr>
-              <a:t>Scope Chain</a:t>
-            </a:r>
-            <a:r>
-              <a:rPr lang="zh-CN" altLang="en-US" sz="3200" dirty="0" smtClean="0">
-                <a:latin typeface="Hei"/>
-                <a:ea typeface="Hei"/>
-                <a:cs typeface="Hei"/>
-              </a:rPr>
-              <a:t> （</a:t>
-            </a:r>
-            <a:r>
-              <a:rPr lang="zh-CN" altLang="en-US" sz="3200" dirty="0" smtClean="0">
-                <a:latin typeface="Hei"/>
-                <a:ea typeface="Hei"/>
-                <a:cs typeface="Hei"/>
-              </a:rPr>
-              <a:t>作用域链</a:t>
-            </a:r>
-            <a:r>
-              <a:rPr lang="zh-CN" altLang="en-US" sz="3200" dirty="0" smtClean="0">
-                <a:latin typeface="Hei"/>
-                <a:ea typeface="Hei"/>
-                <a:cs typeface="Hei"/>
-              </a:rPr>
-              <a:t>）</a:t>
-            </a:r>
-            <a:r>
-              <a:rPr lang="zh-CN" altLang="en-US" sz="3200" dirty="0" smtClean="0">
-                <a:latin typeface="Hei"/>
-                <a:ea typeface="Hei"/>
-                <a:cs typeface="Hei"/>
-              </a:rPr>
-              <a:t>顶端</a:t>
+              <a:t> （作用域链）顶端</a:t>
             </a:r>
             <a:endParaRPr lang="en-US" sz="3200" dirty="0">
               <a:latin typeface="Hei"/>
@@ -14722,15 +14623,7 @@
                 <a:ea typeface="Hei"/>
                 <a:cs typeface="Hei"/>
               </a:rPr>
-              <a:t>实践上来讲</a:t>
-            </a:r>
-            <a:r>
-              <a:rPr lang="en-US" sz="3200" dirty="0" smtClean="0">
-                <a:latin typeface="Hei"/>
-                <a:ea typeface="Hei"/>
-                <a:cs typeface="Hei"/>
-              </a:rPr>
-              <a:t>，</a:t>
+              <a:t>实践上来讲，</a:t>
             </a:r>
             <a:r>
               <a:rPr lang="zh-CN" altLang="en-US" sz="3200" dirty="0" smtClean="0">
@@ -14778,7 +14671,15 @@
                 <a:ea typeface="Hei"/>
                 <a:cs typeface="Hei"/>
               </a:rPr>
-              <a:t>当函数</a:t>
+              <a:t>当函数创建变量的</a:t>
+            </a:r>
+            <a:r>
+              <a:rPr lang="zh-CN" altLang="en-US" sz="3200" dirty="0">
+                <a:latin typeface="Hei"/>
+                <a:ea typeface="Hei"/>
+                <a:cs typeface="Hei"/>
+              </a:rPr>
+              <a:t>上下文已经销毁</a:t>
             </a:r>
             <a:r>
               <a:rPr lang="zh-CN" altLang="en-US" sz="3200" dirty="0" smtClean="0">
@@ -14786,63 +14687,7 @@
                 <a:ea typeface="Hei"/>
                 <a:cs typeface="Hei"/>
               </a:rPr>
-              <a:t>创建</a:t>
-            </a:r>
-            <a:r>
-              <a:rPr lang="zh-CN" altLang="en-US" sz="3200" dirty="0" smtClean="0">
-                <a:latin typeface="Hei"/>
-                <a:ea typeface="Hei"/>
-                <a:cs typeface="Hei"/>
-              </a:rPr>
-              <a:t>变量</a:t>
-            </a:r>
-            <a:r>
-              <a:rPr lang="zh-CN" altLang="en-US" sz="3200" dirty="0" smtClean="0">
-                <a:latin typeface="Hei"/>
-                <a:ea typeface="Hei"/>
-                <a:cs typeface="Hei"/>
-              </a:rPr>
-              <a:t>的</a:t>
-            </a:r>
-            <a:r>
-              <a:rPr lang="zh-CN" altLang="en-US" sz="3200" dirty="0">
-                <a:latin typeface="Hei"/>
-                <a:ea typeface="Hei"/>
-                <a:cs typeface="Hei"/>
-              </a:rPr>
-              <a:t>上下文已经销毁</a:t>
-            </a:r>
-            <a:r>
-              <a:rPr lang="zh-CN" altLang="en-US" sz="3200" dirty="0" smtClean="0">
-                <a:latin typeface="Hei"/>
-                <a:ea typeface="Hei"/>
-                <a:cs typeface="Hei"/>
-              </a:rPr>
-              <a:t>，</a:t>
-            </a:r>
-            <a:r>
-              <a:rPr lang="zh-CN" altLang="en-US" sz="3200" dirty="0" smtClean="0">
-                <a:latin typeface="Hei"/>
-                <a:ea typeface="Hei"/>
-                <a:cs typeface="Hei"/>
-              </a:rPr>
-              <a:t>而变量</a:t>
-            </a:r>
-            <a:r>
-              <a:rPr lang="zh-CN" altLang="en-US" sz="3200" dirty="0" smtClean="0">
-                <a:latin typeface="Hei"/>
-                <a:ea typeface="Hei"/>
-                <a:cs typeface="Hei"/>
-              </a:rPr>
-              <a:t>仍然存在</a:t>
-            </a:r>
-            <a:r>
-              <a:rPr lang="zh-CN" altLang="en-US" sz="3200" dirty="0" smtClean="0">
-                <a:latin typeface="Hei"/>
-                <a:ea typeface="Hei"/>
-                <a:cs typeface="Hei"/>
-              </a:rPr>
-              <a:t>时（父函数返回子函数）</a:t>
+              <a:t>，而变量仍然存在时（父函数返回子函数）</a:t>
             </a:r>
             <a:r>
               <a:rPr lang="en-US" altLang="zh-CN" sz="3200" dirty="0" smtClean="0">
@@ -15926,7 +15771,7 @@
                 <a:ea typeface="Hei"/>
                 <a:cs typeface="Hei"/>
               </a:rPr>
-              <a:t>http://</a:t>
+              <a:t>https://</a:t>
             </a:r>
             <a:r>
               <a:rPr lang="en-US" u="sng" dirty="0" err="1">
@@ -15937,7 +15782,7 @@
                 <a:ea typeface="Hei"/>
                 <a:cs typeface="Hei"/>
               </a:rPr>
-              <a:t>git.dianpingoa.com</a:t>
+              <a:t>github.com</a:t>
             </a:r>
             <a:r>
               <a:rPr lang="en-US" u="sng" dirty="0">
@@ -15948,7 +15793,7 @@
                 <a:ea typeface="Hei"/>
                 <a:cs typeface="Hei"/>
               </a:rPr>
-              <a:t>/v1/</a:t>
+              <a:t>/future-tech-learning-team/understand-</a:t>
             </a:r>
             <a:r>
               <a:rPr lang="en-US" u="sng" dirty="0" err="1">
@@ -15959,10 +15804,10 @@
                 <a:ea typeface="Hei"/>
                 <a:cs typeface="Hei"/>
               </a:rPr>
-              <a:t>sh</a:t>
-            </a:r>
-            <a:r>
-              <a:rPr lang="en-US" u="sng" dirty="0">
+              <a:t>javascript</a:t>
+            </a:r>
+            <a:r>
+              <a:rPr lang="en-US" u="sng">
                 <a:solidFill>
                   <a:srgbClr val="1F497D"/>
                 </a:solidFill>
@@ -15970,29 +15815,7 @@
                 <a:ea typeface="Hei"/>
                 <a:cs typeface="Hei"/>
               </a:rPr>
-              <a:t>/projects/ADP/repos/understand-</a:t>
-            </a:r>
-            <a:r>
-              <a:rPr lang="en-US" u="sng" dirty="0" err="1">
-                <a:solidFill>
-                  <a:srgbClr val="1F497D"/>
-                </a:solidFill>
-                <a:latin typeface="Hei"/>
-                <a:ea typeface="Hei"/>
-                <a:cs typeface="Hei"/>
-              </a:rPr>
-              <a:t>javascript</a:t>
-            </a:r>
-            <a:r>
-              <a:rPr lang="en-US" u="sng" dirty="0">
-                <a:solidFill>
-                  <a:srgbClr val="1F497D"/>
-                </a:solidFill>
-                <a:latin typeface="Hei"/>
-                <a:ea typeface="Hei"/>
-                <a:cs typeface="Hei"/>
-              </a:rPr>
-              <a:t>-in-depth/browse</a:t>
+              <a:t>-in-depth</a:t>
             </a:r>
             <a:endParaRPr lang="en-US" sz="3200" b="0" i="0" u="sng" dirty="0">
               <a:solidFill>

--- a/ppt/understand-javascript-in-depth(part 1).pptx
+++ b/ppt/understand-javascript-in-depth(part 1).pptx
@@ -9572,70 +9572,6 @@
                 <a:srgbClr val="003300"/>
               </a:solidFill>
               <a:latin typeface="+mj-ea"/>
-              <a:cs typeface="Hei"/>
-            </a:endParaRPr>
-          </a:p>
-        </p:txBody>
-      </p:sp>
-      <p:sp>
-        <p:nvSpPr>
-          <p:cNvPr id="3" name="Subtitle 2"/>
-          <p:cNvSpPr>
-            <a:spLocks noGrp="1"/>
-          </p:cNvSpPr>
-          <p:nvPr>
-            <p:ph type="subTitle" idx="1"/>
-            <p:custDataLst>
-              <p:tags r:id="rId3"/>
-            </p:custDataLst>
-          </p:nvPr>
-        </p:nvSpPr>
-        <p:spPr/>
-        <p:txBody>
-          <a:bodyPr>
-            <a:normAutofit/>
-          </a:bodyPr>
-          <a:lstStyle/>
-          <a:p>
-            <a:pPr marL="0" indent="0" algn="r">
-              <a:buNone/>
-            </a:pPr>
-            <a:r>
-              <a:rPr lang="en-US" sz="2400" b="0" i="0" dirty="0">
-                <a:solidFill>
-                  <a:schemeClr val="tx1"/>
-                </a:solidFill>
-                <a:latin typeface="Hei"/>
-                <a:ea typeface="Hei"/>
-                <a:cs typeface="Hei"/>
-              </a:rPr>
-              <a:t>演示</a:t>
-            </a:r>
-            <a:r>
-              <a:rPr lang="en-US" sz="2400" b="0" i="0" dirty="0" smtClean="0">
-                <a:solidFill>
-                  <a:schemeClr val="tx1"/>
-                </a:solidFill>
-                <a:latin typeface="Hei"/>
-                <a:ea typeface="Hei"/>
-                <a:cs typeface="Hei"/>
-              </a:rPr>
-              <a:t>者</a:t>
-            </a:r>
-            <a:r>
-              <a:rPr lang="en-US" sz="2400" dirty="0" smtClean="0">
-                <a:latin typeface="Hei"/>
-                <a:ea typeface="Hei"/>
-                <a:cs typeface="Hei"/>
-              </a:rPr>
-              <a:t>：陈逸钦</a:t>
-            </a:r>
-            <a:endParaRPr lang="en-US" sz="2400" b="0" i="0" dirty="0">
-              <a:solidFill>
-                <a:schemeClr val="tx1"/>
-              </a:solidFill>
-              <a:latin typeface="Hei"/>
-              <a:ea typeface="Hei"/>
               <a:cs typeface="Hei"/>
             </a:endParaRPr>
           </a:p>
@@ -17318,25 +17254,25 @@
 
 <file path=ppt/tags/tag10.xml><?xml version="1.0" encoding="utf-8"?>
 <p:tagLst xmlns:a="http://schemas.openxmlformats.org/drawingml/2006/main" xmlns:r="http://schemas.openxmlformats.org/officeDocument/2006/relationships" xmlns:p="http://schemas.openxmlformats.org/presentationml/2006/main">
-  <p:tag name="DVSHAPEID" val="Q5rpkfSAY2XQl9CRvNvPMK"/>
+  <p:tag name="DVSECTIONID" val="gLLkbNYfJYmMS8cGCr6Zqx"/>
 </p:tagLst>
 </file>
 
 <file path=ppt/tags/tag11.xml><?xml version="1.0" encoding="utf-8"?>
 <p:tagLst xmlns:a="http://schemas.openxmlformats.org/drawingml/2006/main" xmlns:r="http://schemas.openxmlformats.org/officeDocument/2006/relationships" xmlns:p="http://schemas.openxmlformats.org/presentationml/2006/main">
-  <p:tag name="DVSECTIONID" val="gLLkbNYfJYmMS8cGCr6Zqx"/>
+  <p:tag name="DVSHAPEID" val="zvrdC8eV6YWWfpMhsRT8jq"/>
 </p:tagLst>
 </file>
 
 <file path=ppt/tags/tag12.xml><?xml version="1.0" encoding="utf-8"?>
 <p:tagLst xmlns:a="http://schemas.openxmlformats.org/drawingml/2006/main" xmlns:r="http://schemas.openxmlformats.org/officeDocument/2006/relationships" xmlns:p="http://schemas.openxmlformats.org/presentationml/2006/main">
-  <p:tag name="DVSHAPEID" val="zvrdC8eV6YWWfpMhsRT8jq"/>
+  <p:tag name="DVSHAPEID" val="Q5rpkfSAY2XQl9CRvNvPMK"/>
 </p:tagLst>
 </file>
 
 <file path=ppt/tags/tag13.xml><?xml version="1.0" encoding="utf-8"?>
 <p:tagLst xmlns:a="http://schemas.openxmlformats.org/drawingml/2006/main" xmlns:r="http://schemas.openxmlformats.org/officeDocument/2006/relationships" xmlns:p="http://schemas.openxmlformats.org/presentationml/2006/main">
-  <p:tag name="DVSHAPEID" val="Q5rpkfSAY2XQl9CRvNvPMK"/>
+  <p:tag name="DVSECTIONID" val="gLLkbNYfJYmMS8cGCr6Zqx"/>
 </p:tagLst>
 </file>
 
@@ -17354,19 +17290,19 @@
 
 <file path=ppt/tags/tag16.xml><?xml version="1.0" encoding="utf-8"?>
 <p:tagLst xmlns:a="http://schemas.openxmlformats.org/drawingml/2006/main" xmlns:r="http://schemas.openxmlformats.org/officeDocument/2006/relationships" xmlns:p="http://schemas.openxmlformats.org/presentationml/2006/main">
-  <p:tag name="DVSECTIONID" val="gLLkbNYfJYmMS8cGCr6Zqx"/>
+  <p:tag name="DVSHAPEID" val="zvrdC8eV6YWWfpMhsRT8jq"/>
 </p:tagLst>
 </file>
 
 <file path=ppt/tags/tag17.xml><?xml version="1.0" encoding="utf-8"?>
 <p:tagLst xmlns:a="http://schemas.openxmlformats.org/drawingml/2006/main" xmlns:r="http://schemas.openxmlformats.org/officeDocument/2006/relationships" xmlns:p="http://schemas.openxmlformats.org/presentationml/2006/main">
-  <p:tag name="DVSHAPEID" val="zvrdC8eV6YWWfpMhsRT8jq"/>
+  <p:tag name="DVSHAPEID" val="Q5rpkfSAY2XQl9CRvNvPMK"/>
 </p:tagLst>
 </file>
 
 <file path=ppt/tags/tag18.xml><?xml version="1.0" encoding="utf-8"?>
 <p:tagLst xmlns:a="http://schemas.openxmlformats.org/drawingml/2006/main" xmlns:r="http://schemas.openxmlformats.org/officeDocument/2006/relationships" xmlns:p="http://schemas.openxmlformats.org/presentationml/2006/main">
-  <p:tag name="DVSHAPEID" val="Q5rpkfSAY2XQl9CRvNvPMK"/>
+  <p:tag name="DVSECTIONID" val="gLLkbNYfJYmMS8cGCr6Zqx"/>
 </p:tagLst>
 </file>
 
@@ -17384,19 +17320,19 @@
 
 <file path=ppt/tags/tag20.xml><?xml version="1.0" encoding="utf-8"?>
 <p:tagLst xmlns:a="http://schemas.openxmlformats.org/drawingml/2006/main" xmlns:r="http://schemas.openxmlformats.org/officeDocument/2006/relationships" xmlns:p="http://schemas.openxmlformats.org/presentationml/2006/main">
-  <p:tag name="DVSECTIONID" val="gLLkbNYfJYmMS8cGCr6Zqx"/>
+  <p:tag name="DVSHAPEID" val="zvrdC8eV6YWWfpMhsRT8jq"/>
 </p:tagLst>
 </file>
 
 <file path=ppt/tags/tag21.xml><?xml version="1.0" encoding="utf-8"?>
 <p:tagLst xmlns:a="http://schemas.openxmlformats.org/drawingml/2006/main" xmlns:r="http://schemas.openxmlformats.org/officeDocument/2006/relationships" xmlns:p="http://schemas.openxmlformats.org/presentationml/2006/main">
-  <p:tag name="DVSHAPEID" val="zvrdC8eV6YWWfpMhsRT8jq"/>
+  <p:tag name="DVSHAPEID" val="Q5rpkfSAY2XQl9CRvNvPMK"/>
 </p:tagLst>
 </file>
 
 <file path=ppt/tags/tag22.xml><?xml version="1.0" encoding="utf-8"?>
 <p:tagLst xmlns:a="http://schemas.openxmlformats.org/drawingml/2006/main" xmlns:r="http://schemas.openxmlformats.org/officeDocument/2006/relationships" xmlns:p="http://schemas.openxmlformats.org/presentationml/2006/main">
-  <p:tag name="DVSHAPEID" val="Q5rpkfSAY2XQl9CRvNvPMK"/>
+  <p:tag name="DVSECTIONID" val="gLLkbNYfJYmMS8cGCr6Zqx"/>
 </p:tagLst>
 </file>
 
@@ -17414,61 +17350,61 @@
 
 <file path=ppt/tags/tag25.xml><?xml version="1.0" encoding="utf-8"?>
 <p:tagLst xmlns:a="http://schemas.openxmlformats.org/drawingml/2006/main" xmlns:r="http://schemas.openxmlformats.org/officeDocument/2006/relationships" xmlns:p="http://schemas.openxmlformats.org/presentationml/2006/main">
-  <p:tag name="DVSECTIONID" val="gLLkbNYfJYmMS8cGCr6Zqx"/>
+  <p:tag name="DVSHAPEID" val="zvrdC8eV6YWWfpMhsRT8jq"/>
 </p:tagLst>
 </file>
 
 <file path=ppt/tags/tag26.xml><?xml version="1.0" encoding="utf-8"?>
 <p:tagLst xmlns:a="http://schemas.openxmlformats.org/drawingml/2006/main" xmlns:r="http://schemas.openxmlformats.org/officeDocument/2006/relationships" xmlns:p="http://schemas.openxmlformats.org/presentationml/2006/main">
-  <p:tag name="DVSHAPEID" val="zvrdC8eV6YWWfpMhsRT8jq"/>
+  <p:tag name="DVSHAPEID" val="Q5rpkfSAY2XQl9CRvNvPMK"/>
 </p:tagLst>
 </file>
 
 <file path=ppt/tags/tag27.xml><?xml version="1.0" encoding="utf-8"?>
 <p:tagLst xmlns:a="http://schemas.openxmlformats.org/drawingml/2006/main" xmlns:r="http://schemas.openxmlformats.org/officeDocument/2006/relationships" xmlns:p="http://schemas.openxmlformats.org/presentationml/2006/main">
-  <p:tag name="DVSHAPEID" val="Q5rpkfSAY2XQl9CRvNvPMK"/>
+  <p:tag name="DVSECTIONID" val="gLLkbNYfJYmMS8cGCr6Zqx"/>
 </p:tagLst>
 </file>
 
 <file path=ppt/tags/tag28.xml><?xml version="1.0" encoding="utf-8"?>
 <p:tagLst xmlns:a="http://schemas.openxmlformats.org/drawingml/2006/main" xmlns:r="http://schemas.openxmlformats.org/officeDocument/2006/relationships" xmlns:p="http://schemas.openxmlformats.org/presentationml/2006/main">
-  <p:tag name="DVSECTIONID" val="gLLkbNYfJYmMS8cGCr6Zqx"/>
+  <p:tag name="DVSHAPEID" val="zvrdC8eV6YWWfpMhsRT8jq"/>
 </p:tagLst>
 </file>
 
 <file path=ppt/tags/tag29.xml><?xml version="1.0" encoding="utf-8"?>
 <p:tagLst xmlns:a="http://schemas.openxmlformats.org/drawingml/2006/main" xmlns:r="http://schemas.openxmlformats.org/officeDocument/2006/relationships" xmlns:p="http://schemas.openxmlformats.org/presentationml/2006/main">
-  <p:tag name="DVSHAPEID" val="zvrdC8eV6YWWfpMhsRT8jq"/>
+  <p:tag name="DVSHAPEID" val="Q5rpkfSAY2XQl9CRvNvPMK"/>
 </p:tagLst>
 </file>
 
 <file path=ppt/tags/tag3.xml><?xml version="1.0" encoding="utf-8"?>
 <p:tagLst xmlns:a="http://schemas.openxmlformats.org/drawingml/2006/main" xmlns:r="http://schemas.openxmlformats.org/officeDocument/2006/relationships" xmlns:p="http://schemas.openxmlformats.org/presentationml/2006/main">
-  <p:tag name="DVSHAPEID" val="0uhWvCQomImT50qU5y4Znw"/>
+  <p:tag name="DVSECTIONID" val="gLLkbNYfJYmMS8cGCr6Zqx"/>
 </p:tagLst>
 </file>
 
 <file path=ppt/tags/tag30.xml><?xml version="1.0" encoding="utf-8"?>
 <p:tagLst xmlns:a="http://schemas.openxmlformats.org/drawingml/2006/main" xmlns:r="http://schemas.openxmlformats.org/officeDocument/2006/relationships" xmlns:p="http://schemas.openxmlformats.org/presentationml/2006/main">
-  <p:tag name="DVSHAPEID" val="Q5rpkfSAY2XQl9CRvNvPMK"/>
+  <p:tag name="DVSECTIONID" val="gLLkbNYfJYmMS8cGCr6Zqx"/>
 </p:tagLst>
 </file>
 
 <file path=ppt/tags/tag31.xml><?xml version="1.0" encoding="utf-8"?>
 <p:tagLst xmlns:a="http://schemas.openxmlformats.org/drawingml/2006/main" xmlns:r="http://schemas.openxmlformats.org/officeDocument/2006/relationships" xmlns:p="http://schemas.openxmlformats.org/presentationml/2006/main">
-  <p:tag name="DVSECTIONID" val="gLLkbNYfJYmMS8cGCr6Zqx"/>
+  <p:tag name="DVSHAPEID" val="zvrdC8eV6YWWfpMhsRT8jq"/>
 </p:tagLst>
 </file>
 
 <file path=ppt/tags/tag32.xml><?xml version="1.0" encoding="utf-8"?>
 <p:tagLst xmlns:a="http://schemas.openxmlformats.org/drawingml/2006/main" xmlns:r="http://schemas.openxmlformats.org/officeDocument/2006/relationships" xmlns:p="http://schemas.openxmlformats.org/presentationml/2006/main">
-  <p:tag name="DVSHAPEID" val="zvrdC8eV6YWWfpMhsRT8jq"/>
+  <p:tag name="DVSHAPEID" val="Q5rpkfSAY2XQl9CRvNvPMK"/>
 </p:tagLst>
 </file>
 
 <file path=ppt/tags/tag33.xml><?xml version="1.0" encoding="utf-8"?>
 <p:tagLst xmlns:a="http://schemas.openxmlformats.org/drawingml/2006/main" xmlns:r="http://schemas.openxmlformats.org/officeDocument/2006/relationships" xmlns:p="http://schemas.openxmlformats.org/presentationml/2006/main">
-  <p:tag name="DVSHAPEID" val="Q5rpkfSAY2XQl9CRvNvPMK"/>
+  <p:tag name="DVSECTIONID" val="gLLkbNYfJYmMS8cGCr6Zqx"/>
 </p:tagLst>
 </file>
 
@@ -17492,25 +17428,25 @@
 
 <file path=ppt/tags/tag37.xml><?xml version="1.0" encoding="utf-8"?>
 <p:tagLst xmlns:a="http://schemas.openxmlformats.org/drawingml/2006/main" xmlns:r="http://schemas.openxmlformats.org/officeDocument/2006/relationships" xmlns:p="http://schemas.openxmlformats.org/presentationml/2006/main">
-  <p:tag name="DVSECTIONID" val="gLLkbNYfJYmMS8cGCr6Zqx"/>
+  <p:tag name="DVSHAPEID" val="zvrdC8eV6YWWfpMhsRT8jq"/>
 </p:tagLst>
 </file>
 
 <file path=ppt/tags/tag38.xml><?xml version="1.0" encoding="utf-8"?>
 <p:tagLst xmlns:a="http://schemas.openxmlformats.org/drawingml/2006/main" xmlns:r="http://schemas.openxmlformats.org/officeDocument/2006/relationships" xmlns:p="http://schemas.openxmlformats.org/presentationml/2006/main">
-  <p:tag name="DVSHAPEID" val="zvrdC8eV6YWWfpMhsRT8jq"/>
+  <p:tag name="DVSHAPEID" val="Q5rpkfSAY2XQl9CRvNvPMK"/>
 </p:tagLst>
 </file>
 
 <file path=ppt/tags/tag39.xml><?xml version="1.0" encoding="utf-8"?>
 <p:tagLst xmlns:a="http://schemas.openxmlformats.org/drawingml/2006/main" xmlns:r="http://schemas.openxmlformats.org/officeDocument/2006/relationships" xmlns:p="http://schemas.openxmlformats.org/presentationml/2006/main">
-  <p:tag name="DVSHAPEID" val="Q5rpkfSAY2XQl9CRvNvPMK"/>
+  <p:tag name="DVSECTIONID" val="gLLkbNYfJYmMS8cGCr6Zqx"/>
 </p:tagLst>
 </file>
 
 <file path=ppt/tags/tag4.xml><?xml version="1.0" encoding="utf-8"?>
 <p:tagLst xmlns:a="http://schemas.openxmlformats.org/drawingml/2006/main" xmlns:r="http://schemas.openxmlformats.org/officeDocument/2006/relationships" xmlns:p="http://schemas.openxmlformats.org/presentationml/2006/main">
-  <p:tag name="DVSECTIONID" val="gLLkbNYfJYmMS8cGCr6Zqx"/>
+  <p:tag name="DVSHAPEID" val="zvrdC8eV6YWWfpMhsRT8jq"/>
 </p:tagLst>
 </file>
 
@@ -17522,19 +17458,19 @@
 
 <file path=ppt/tags/tag41.xml><?xml version="1.0" encoding="utf-8"?>
 <p:tagLst xmlns:a="http://schemas.openxmlformats.org/drawingml/2006/main" xmlns:r="http://schemas.openxmlformats.org/officeDocument/2006/relationships" xmlns:p="http://schemas.openxmlformats.org/presentationml/2006/main">
-  <p:tag name="DVSECTIONID" val="gLLkbNYfJYmMS8cGCr6Zqx"/>
+  <p:tag name="DVSHAPEID" val="zvrdC8eV6YWWfpMhsRT8jq"/>
 </p:tagLst>
 </file>
 
 <file path=ppt/tags/tag42.xml><?xml version="1.0" encoding="utf-8"?>
 <p:tagLst xmlns:a="http://schemas.openxmlformats.org/drawingml/2006/main" xmlns:r="http://schemas.openxmlformats.org/officeDocument/2006/relationships" xmlns:p="http://schemas.openxmlformats.org/presentationml/2006/main">
-  <p:tag name="DVSHAPEID" val="zvrdC8eV6YWWfpMhsRT8jq"/>
+  <p:tag name="DVSHAPEID" val="Q5rpkfSAY2XQl9CRvNvPMK"/>
 </p:tagLst>
 </file>
 
 <file path=ppt/tags/tag43.xml><?xml version="1.0" encoding="utf-8"?>
 <p:tagLst xmlns:a="http://schemas.openxmlformats.org/drawingml/2006/main" xmlns:r="http://schemas.openxmlformats.org/officeDocument/2006/relationships" xmlns:p="http://schemas.openxmlformats.org/presentationml/2006/main">
-  <p:tag name="DVSHAPEID" val="Q5rpkfSAY2XQl9CRvNvPMK"/>
+  <p:tag name="DVSECTIONID" val="gLLkbNYfJYmMS8cGCr6Zqx"/>
 </p:tagLst>
 </file>
 
@@ -17552,19 +17488,19 @@
 
 <file path=ppt/tags/tag46.xml><?xml version="1.0" encoding="utf-8"?>
 <p:tagLst xmlns:a="http://schemas.openxmlformats.org/drawingml/2006/main" xmlns:r="http://schemas.openxmlformats.org/officeDocument/2006/relationships" xmlns:p="http://schemas.openxmlformats.org/presentationml/2006/main">
-  <p:tag name="DVSECTIONID" val="gLLkbNYfJYmMS8cGCr6Zqx"/>
+  <p:tag name="DVSHAPEID" val="zvrdC8eV6YWWfpMhsRT8jq"/>
 </p:tagLst>
 </file>
 
 <file path=ppt/tags/tag47.xml><?xml version="1.0" encoding="utf-8"?>
 <p:tagLst xmlns:a="http://schemas.openxmlformats.org/drawingml/2006/main" xmlns:r="http://schemas.openxmlformats.org/officeDocument/2006/relationships" xmlns:p="http://schemas.openxmlformats.org/presentationml/2006/main">
-  <p:tag name="DVSHAPEID" val="zvrdC8eV6YWWfpMhsRT8jq"/>
+  <p:tag name="DVSHAPEID" val="Q5rpkfSAY2XQl9CRvNvPMK"/>
 </p:tagLst>
 </file>
 
 <file path=ppt/tags/tag48.xml><?xml version="1.0" encoding="utf-8"?>
 <p:tagLst xmlns:a="http://schemas.openxmlformats.org/drawingml/2006/main" xmlns:r="http://schemas.openxmlformats.org/officeDocument/2006/relationships" xmlns:p="http://schemas.openxmlformats.org/presentationml/2006/main">
-  <p:tag name="DVSHAPEID" val="Q5rpkfSAY2XQl9CRvNvPMK"/>
+  <p:tag name="DVSECTIONID" val="gLLkbNYfJYmMS8cGCr6Zqx"/>
 </p:tagLst>
 </file>
 
@@ -17576,7 +17512,7 @@
 
 <file path=ppt/tags/tag5.xml><?xml version="1.0" encoding="utf-8"?>
 <p:tagLst xmlns:a="http://schemas.openxmlformats.org/drawingml/2006/main" xmlns:r="http://schemas.openxmlformats.org/officeDocument/2006/relationships" xmlns:p="http://schemas.openxmlformats.org/presentationml/2006/main">
-  <p:tag name="DVSHAPEID" val="zvrdC8eV6YWWfpMhsRT8jq"/>
+  <p:tag name="DVSHAPEID" val="Q5rpkfSAY2XQl9CRvNvPMK"/>
 </p:tagLst>
 </file>
 
@@ -17588,47 +17524,41 @@
 
 <file path=ppt/tags/tag51.xml><?xml version="1.0" encoding="utf-8"?>
 <p:tagLst xmlns:a="http://schemas.openxmlformats.org/drawingml/2006/main" xmlns:r="http://schemas.openxmlformats.org/officeDocument/2006/relationships" xmlns:p="http://schemas.openxmlformats.org/presentationml/2006/main">
-  <p:tag name="DVSECTIONID" val="gLLkbNYfJYmMS8cGCr6Zqx"/>
+  <p:tag name="DVSECTIONID" val="OOKFAmQ6LnTdkKqqzhwoax"/>
 </p:tagLst>
 </file>
 
 <file path=ppt/tags/tag52.xml><?xml version="1.0" encoding="utf-8"?>
 <p:tagLst xmlns:a="http://schemas.openxmlformats.org/drawingml/2006/main" xmlns:r="http://schemas.openxmlformats.org/officeDocument/2006/relationships" xmlns:p="http://schemas.openxmlformats.org/presentationml/2006/main">
-  <p:tag name="DVSECTIONID" val="OOKFAmQ6LnTdkKqqzhwoax"/>
+  <p:tag name="DVSHAPEID" val="XuPQogmzKvTp1YV9ymQ2ZW"/>
 </p:tagLst>
 </file>
 
 <file path=ppt/tags/tag53.xml><?xml version="1.0" encoding="utf-8"?>
 <p:tagLst xmlns:a="http://schemas.openxmlformats.org/drawingml/2006/main" xmlns:r="http://schemas.openxmlformats.org/officeDocument/2006/relationships" xmlns:p="http://schemas.openxmlformats.org/presentationml/2006/main">
-  <p:tag name="DVSHAPEID" val="XuPQogmzKvTp1YV9ymQ2ZW"/>
+  <p:tag name="DVSHAPEID" val="S8Cm1higbyIl35Abad2Rjv"/>
 </p:tagLst>
 </file>
 
 <file path=ppt/tags/tag54.xml><?xml version="1.0" encoding="utf-8"?>
 <p:tagLst xmlns:a="http://schemas.openxmlformats.org/drawingml/2006/main" xmlns:r="http://schemas.openxmlformats.org/officeDocument/2006/relationships" xmlns:p="http://schemas.openxmlformats.org/presentationml/2006/main">
-  <p:tag name="DVSHAPEID" val="S8Cm1higbyIl35Abad2Rjv"/>
+  <p:tag name="DVSECTIONID" val="ezdaKHeWyBnZyZ2cDqRSoa"/>
 </p:tagLst>
 </file>
 
 <file path=ppt/tags/tag55.xml><?xml version="1.0" encoding="utf-8"?>
 <p:tagLst xmlns:a="http://schemas.openxmlformats.org/drawingml/2006/main" xmlns:r="http://schemas.openxmlformats.org/officeDocument/2006/relationships" xmlns:p="http://schemas.openxmlformats.org/presentationml/2006/main">
-  <p:tag name="DVSECTIONID" val="ezdaKHeWyBnZyZ2cDqRSoa"/>
+  <p:tag name="DVSHAPEID" val="LRMR96J2MVd0CGe2e5htjk"/>
 </p:tagLst>
 </file>
 
 <file path=ppt/tags/tag56.xml><?xml version="1.0" encoding="utf-8"?>
 <p:tagLst xmlns:a="http://schemas.openxmlformats.org/drawingml/2006/main" xmlns:r="http://schemas.openxmlformats.org/officeDocument/2006/relationships" xmlns:p="http://schemas.openxmlformats.org/presentationml/2006/main">
-  <p:tag name="DVSHAPEID" val="LRMR96J2MVd0CGe2e5htjk"/>
+  <p:tag name="DVSECTIONID" val="c48BxRTjzwKhAarpC8SPOi"/>
 </p:tagLst>
 </file>
 
 <file path=ppt/tags/tag57.xml><?xml version="1.0" encoding="utf-8"?>
-<p:tagLst xmlns:a="http://schemas.openxmlformats.org/drawingml/2006/main" xmlns:r="http://schemas.openxmlformats.org/officeDocument/2006/relationships" xmlns:p="http://schemas.openxmlformats.org/presentationml/2006/main">
-  <p:tag name="DVSECTIONID" val="c48BxRTjzwKhAarpC8SPOi"/>
-</p:tagLst>
-</file>
-
-<file path=ppt/tags/tag58.xml><?xml version="1.0" encoding="utf-8"?>
 <p:tagLst xmlns:a="http://schemas.openxmlformats.org/drawingml/2006/main" xmlns:r="http://schemas.openxmlformats.org/officeDocument/2006/relationships" xmlns:p="http://schemas.openxmlformats.org/presentationml/2006/main">
   <p:tag name="DVSHAPEID" val="GFUQynbDZ7CnnKAa7cx9MM"/>
 </p:tagLst>
@@ -17636,25 +17566,25 @@
 
 <file path=ppt/tags/tag6.xml><?xml version="1.0" encoding="utf-8"?>
 <p:tagLst xmlns:a="http://schemas.openxmlformats.org/drawingml/2006/main" xmlns:r="http://schemas.openxmlformats.org/officeDocument/2006/relationships" xmlns:p="http://schemas.openxmlformats.org/presentationml/2006/main">
-  <p:tag name="DVSHAPEID" val="Q5rpkfSAY2XQl9CRvNvPMK"/>
+  <p:tag name="DVSECTIONID" val="QUq8QELArFIgadhH063fpq"/>
 </p:tagLst>
 </file>
 
 <file path=ppt/tags/tag7.xml><?xml version="1.0" encoding="utf-8"?>
 <p:tagLst xmlns:a="http://schemas.openxmlformats.org/drawingml/2006/main" xmlns:r="http://schemas.openxmlformats.org/officeDocument/2006/relationships" xmlns:p="http://schemas.openxmlformats.org/presentationml/2006/main">
-  <p:tag name="DVSECTIONID" val="QUq8QELArFIgadhH063fpq"/>
+  <p:tag name="DVSECTIONID" val="gLLkbNYfJYmMS8cGCr6Zqx"/>
 </p:tagLst>
 </file>
 
 <file path=ppt/tags/tag8.xml><?xml version="1.0" encoding="utf-8"?>
 <p:tagLst xmlns:a="http://schemas.openxmlformats.org/drawingml/2006/main" xmlns:r="http://schemas.openxmlformats.org/officeDocument/2006/relationships" xmlns:p="http://schemas.openxmlformats.org/presentationml/2006/main">
-  <p:tag name="DVSECTIONID" val="gLLkbNYfJYmMS8cGCr6Zqx"/>
+  <p:tag name="DVSHAPEID" val="zvrdC8eV6YWWfpMhsRT8jq"/>
 </p:tagLst>
 </file>
 
 <file path=ppt/tags/tag9.xml><?xml version="1.0" encoding="utf-8"?>
 <p:tagLst xmlns:a="http://schemas.openxmlformats.org/drawingml/2006/main" xmlns:r="http://schemas.openxmlformats.org/officeDocument/2006/relationships" xmlns:p="http://schemas.openxmlformats.org/presentationml/2006/main">
-  <p:tag name="DVSHAPEID" val="zvrdC8eV6YWWfpMhsRT8jq"/>
+  <p:tag name="DVSHAPEID" val="Q5rpkfSAY2XQl9CRvNvPMK"/>
 </p:tagLst>
 </file>
 

--- a/ppt/understand-javascript-in-depth(part 1).pptx
+++ b/ppt/understand-javascript-in-depth(part 1).pptx
@@ -301,7 +301,7 @@
             <a:fld id="{D83FDC75-7F73-4A4A-A77C-09AADF00E0EA}" type="datetimeFigureOut">
               <a:rPr lang="en-US" smtClean="0"/>
               <a:pPr/>
-              <a:t>17/12/11</a:t>
+              <a:t>17/12/14</a:t>
             </a:fld>
             <a:endParaRPr lang="en-US" dirty="0"/>
           </a:p>
@@ -468,7 +468,7 @@
             <a:fld id="{48AEF76B-3757-4A0B-AF93-28494465C1DD}" type="datetimeFigureOut">
               <a:rPr lang="en-US" smtClean="0"/>
               <a:pPr/>
-              <a:t>17/12/11</a:t>
+              <a:t>17/12/14</a:t>
             </a:fld>
             <a:endParaRPr lang="en-US" dirty="0"/>
           </a:p>
@@ -6368,7 +6368,7 @@
             <a:fld id="{757B281C-5159-4971-8228-52B9A72E9ED2}" type="datetimeFigureOut">
               <a:rPr kumimoji="0" lang="en-US" smtClean="0"/>
               <a:pPr/>
-              <a:t>17/12/11</a:t>
+              <a:t>17/12/14</a:t>
             </a:fld>
             <a:endParaRPr kumimoji="0" lang="en-US" dirty="0"/>
           </a:p>
@@ -6470,7 +6470,7 @@
             <a:fld id="{757B281C-5159-4971-8228-52B9A72E9ED2}" type="datetimeFigureOut">
               <a:rPr kumimoji="0" lang="en-US" smtClean="0"/>
               <a:pPr/>
-              <a:t>17/12/11</a:t>
+              <a:t>17/12/14</a:t>
             </a:fld>
             <a:endParaRPr kumimoji="0" lang="en-US" dirty="0"/>
           </a:p>
@@ -6606,7 +6606,7 @@
             <a:fld id="{757B281C-5159-4971-8228-52B9A72E9ED2}" type="datetimeFigureOut">
               <a:rPr kumimoji="0" lang="en-US" smtClean="0"/>
               <a:pPr/>
-              <a:t>17/12/11</a:t>
+              <a:t>17/12/14</a:t>
             </a:fld>
             <a:endParaRPr kumimoji="0" lang="en-US" dirty="0"/>
           </a:p>
@@ -6812,7 +6812,7 @@
             <a:fld id="{757B281C-5159-4971-8228-52B9A72E9ED2}" type="datetimeFigureOut">
               <a:rPr kumimoji="0" lang="en-US" smtClean="0"/>
               <a:pPr/>
-              <a:t>17/12/11</a:t>
+              <a:t>17/12/14</a:t>
             </a:fld>
             <a:endParaRPr kumimoji="0" lang="en-US" dirty="0"/>
           </a:p>
@@ -7211,7 +7211,7 @@
             <a:fld id="{757B281C-5159-4971-8228-52B9A72E9ED2}" type="datetimeFigureOut">
               <a:rPr kumimoji="0" lang="en-US" smtClean="0"/>
               <a:pPr/>
-              <a:t>17/12/11</a:t>
+              <a:t>17/12/14</a:t>
             </a:fld>
             <a:endParaRPr kumimoji="0" lang="en-US" dirty="0"/>
           </a:p>
@@ -7512,7 +7512,7 @@
             <a:fld id="{757B281C-5159-4971-8228-52B9A72E9ED2}" type="datetimeFigureOut">
               <a:rPr kumimoji="0" lang="en-US" smtClean="0"/>
               <a:pPr/>
-              <a:t>17/12/11</a:t>
+              <a:t>17/12/14</a:t>
             </a:fld>
             <a:endParaRPr kumimoji="0" lang="en-US" dirty="0"/>
           </a:p>
@@ -7942,7 +7942,7 @@
             <a:fld id="{757B281C-5159-4971-8228-52B9A72E9ED2}" type="datetimeFigureOut">
               <a:rPr kumimoji="0" lang="en-US" smtClean="0"/>
               <a:pPr/>
-              <a:t>17/12/11</a:t>
+              <a:t>17/12/14</a:t>
             </a:fld>
             <a:endParaRPr kumimoji="0" lang="en-US" dirty="0"/>
           </a:p>
@@ -8220,7 +8220,7 @@
             <a:fld id="{757B281C-5159-4971-8228-52B9A72E9ED2}" type="datetimeFigureOut">
               <a:rPr kumimoji="0" lang="en-US" smtClean="0"/>
               <a:pPr/>
-              <a:t>17/12/11</a:t>
+              <a:t>17/12/14</a:t>
             </a:fld>
             <a:endParaRPr kumimoji="0" lang="en-US" dirty="0"/>
           </a:p>
@@ -8486,7 +8486,7 @@
             <a:fld id="{757B281C-5159-4971-8228-52B9A72E9ED2}" type="datetimeFigureOut">
               <a:rPr kumimoji="0" lang="en-US" smtClean="0"/>
               <a:pPr/>
-              <a:t>17/12/11</a:t>
+              <a:t>17/12/14</a:t>
             </a:fld>
             <a:endParaRPr kumimoji="0" lang="en-US" dirty="0"/>
           </a:p>
@@ -8657,7 +8657,7 @@
             <a:fld id="{757B281C-5159-4971-8228-52B9A72E9ED2}" type="datetimeFigureOut">
               <a:rPr kumimoji="0" lang="en-US" smtClean="0"/>
               <a:pPr/>
-              <a:t>17/12/11</a:t>
+              <a:t>17/12/14</a:t>
             </a:fld>
             <a:endParaRPr kumimoji="0" lang="en-US" dirty="0"/>
           </a:p>
@@ -8838,7 +8838,7 @@
             <a:fld id="{757B281C-5159-4971-8228-52B9A72E9ED2}" type="datetimeFigureOut">
               <a:rPr kumimoji="0" lang="en-US" smtClean="0"/>
               <a:pPr/>
-              <a:t>17/12/11</a:t>
+              <a:t>17/12/14</a:t>
             </a:fld>
             <a:endParaRPr kumimoji="0" lang="en-US" dirty="0"/>
           </a:p>
@@ -9081,7 +9081,7 @@
             <a:fld id="{757B281C-5159-4971-8228-52B9A72E9ED2}" type="datetimeFigureOut">
               <a:rPr kumimoji="0" lang="en-US" smtClean="0"/>
               <a:pPr/>
-              <a:t>17/12/11</a:t>
+              <a:t>17/12/14</a:t>
             </a:fld>
             <a:endParaRPr kumimoji="0" lang="en-US" dirty="0"/>
           </a:p>
@@ -15358,7 +15358,7 @@
       </p:grpSpPr>
       <p:pic>
         <p:nvPicPr>
-          <p:cNvPr id="3" name="内容占位符 2"/>
+          <p:cNvPr id="4" name="内容占位符 3"/>
           <p:cNvPicPr>
             <a:picLocks noGrp="1" noChangeAspect="1"/>
           </p:cNvPicPr>
@@ -15368,7 +15368,7 @@
         </p:nvPicPr>
         <p:blipFill>
           <a:blip r:embed="rId4"/>
-          <a:srcRect t="-8901" b="-8901"/>
+          <a:srcRect t="-7991" b="-7991"/>
           <a:stretch>
             <a:fillRect/>
           </a:stretch>
@@ -15376,7 +15376,7 @@
         <p:spPr>
           <a:xfrm>
             <a:off x="762000" y="228600"/>
-            <a:ext cx="8229600" cy="6400800"/>
+            <a:ext cx="8229600" cy="6324600"/>
           </a:xfrm>
         </p:spPr>
       </p:pic>
